--- a/Presentations/70-534-WebAndMobile.pptx
+++ b/Presentations/70-534-WebAndMobile.pptx
@@ -3602,7 +3602,7 @@
           <a:p>
             <a:fld id="{64D44051-66E2-4006-80A2-BD85057051F8}" type="datetimeFigureOut">
               <a:rPr lang="en-US" smtClean="0"/>
-              <a:t>6/10/2017</a:t>
+              <a:t>6/13/2017</a:t>
             </a:fld>
             <a:endParaRPr lang="en-US"/>
           </a:p>
@@ -3767,7 +3767,7 @@
           <a:p>
             <a:fld id="{62207CE4-6ECC-4F8B-9D67-3C1718795CEC}" type="datetimeFigureOut">
               <a:rPr lang="en-US" smtClean="0"/>
-              <a:t>6/10/2017</a:t>
+              <a:t>6/13/2017</a:t>
             </a:fld>
             <a:endParaRPr lang="en-US"/>
           </a:p>
@@ -4338,7 +4338,7 @@
                 <a:tabLst/>
                 <a:defRPr/>
               </a:pPr>
-              <a:t>6/10/2017</a:t>
+              <a:t>6/13/2017</a:t>
             </a:fld>
             <a:endParaRPr kumimoji="0" lang="en-US" sz="1200" b="0" i="0" u="none" strike="noStrike" kern="1200" cap="none" spc="0" normalizeH="0" baseline="0" noProof="0" dirty="0">
               <a:ln>
@@ -8408,7 +8408,7 @@
           <a:p>
             <a:fld id="{2830D52A-5F20-49F5-B0E2-4E520F8A6D94}" type="datetimeFigureOut">
               <a:rPr lang="en-US" smtClean="0"/>
-              <a:t>6/10/2017</a:t>
+              <a:t>6/13/2017</a:t>
             </a:fld>
             <a:endParaRPr lang="en-US"/>
           </a:p>
@@ -8719,7 +8719,7 @@
           <a:p>
             <a:fld id="{2830D52A-5F20-49F5-B0E2-4E520F8A6D94}" type="datetimeFigureOut">
               <a:rPr lang="en-US" smtClean="0"/>
-              <a:t>6/10/2017</a:t>
+              <a:t>6/13/2017</a:t>
             </a:fld>
             <a:endParaRPr lang="en-US"/>
           </a:p>
@@ -9007,7 +9007,7 @@
           <a:p>
             <a:fld id="{2830D52A-5F20-49F5-B0E2-4E520F8A6D94}" type="datetimeFigureOut">
               <a:rPr lang="en-US" smtClean="0"/>
-              <a:t>6/10/2017</a:t>
+              <a:t>6/13/2017</a:t>
             </a:fld>
             <a:endParaRPr lang="en-US"/>
           </a:p>
@@ -9205,7 +9205,7 @@
           <a:p>
             <a:fld id="{2830D52A-5F20-49F5-B0E2-4E520F8A6D94}" type="datetimeFigureOut">
               <a:rPr lang="en-US" smtClean="0"/>
-              <a:t>6/10/2017</a:t>
+              <a:t>6/13/2017</a:t>
             </a:fld>
             <a:endParaRPr lang="en-US"/>
           </a:p>
@@ -9413,7 +9413,7 @@
           <a:p>
             <a:fld id="{2830D52A-5F20-49F5-B0E2-4E520F8A6D94}" type="datetimeFigureOut">
               <a:rPr lang="en-US" smtClean="0"/>
-              <a:t>6/10/2017</a:t>
+              <a:t>6/13/2017</a:t>
             </a:fld>
             <a:endParaRPr lang="en-US"/>
           </a:p>
@@ -9744,9 +9744,6 @@
                     <p:cTn id="3" fill="hold">
                       <p:stCondLst>
                         <p:cond delay="indefinite"/>
-                        <p:cond evt="onBegin" delay="0">
-                          <p:tn val="2"/>
-                        </p:cond>
                       </p:stCondLst>
                       <p:childTnLst>
                         <p:par>
@@ -9756,7 +9753,7 @@
                             </p:stCondLst>
                             <p:childTnLst>
                               <p:par>
-                                <p:cTn id="5" presetID="1" presetClass="exit" presetSubtype="0" fill="hold" grpId="0" nodeType="afterEffect">
+                                <p:cTn id="5" presetID="1" presetClass="exit" presetSubtype="0" fill="hold" grpId="0" nodeType="clickEffect">
                                   <p:stCondLst>
                                     <p:cond delay="0"/>
                                   </p:stCondLst>
@@ -9792,45 +9789,14 @@
                             </p:stCondLst>
                             <p:childTnLst>
                               <p:par>
-                                <p:cTn id="8" presetID="42" presetClass="path" presetSubtype="0" accel="50000" decel="50000" fill="hold" grpId="1" nodeType="afterEffect">
-                                  <p:stCondLst>
-                                    <p:cond delay="0"/>
-                                  </p:stCondLst>
-                                  <p:childTnLst>
-                                    <p:animMotion origin="layout" path="M -4.16667E-6 -1.11111E-6 L -0.02187 -0.04537 " pathEditMode="relative" rAng="0" ptsTypes="AA">
-                                      <p:cBhvr>
-                                        <p:cTn id="9" dur="500" fill="hold"/>
-                                        <p:tgtEl>
-                                          <p:spTgt spid="6"/>
-                                        </p:tgtEl>
-                                        <p:attrNameLst>
-                                          <p:attrName>ppt_x</p:attrName>
-                                          <p:attrName>ppt_y</p:attrName>
-                                        </p:attrNameLst>
-                                      </p:cBhvr>
-                                      <p:rCtr x="-1094" y="-2269"/>
-                                    </p:animMotion>
-                                  </p:childTnLst>
-                                </p:cTn>
-                              </p:par>
-                            </p:childTnLst>
-                          </p:cTn>
-                        </p:par>
-                        <p:par>
-                          <p:cTn id="10" fill="hold">
-                            <p:stCondLst>
-                              <p:cond delay="500"/>
-                            </p:stCondLst>
-                            <p:childTnLst>
-                              <p:par>
-                                <p:cTn id="11" presetID="14" presetClass="entr" presetSubtype="10" fill="hold" grpId="0" nodeType="afterEffect">
+                                <p:cTn id="8" presetID="14" presetClass="entr" presetSubtype="10" fill="hold" grpId="0" nodeType="afterEffect">
                                   <p:stCondLst>
                                     <p:cond delay="0"/>
                                   </p:stCondLst>
                                   <p:childTnLst>
                                     <p:set>
                                       <p:cBhvr>
-                                        <p:cTn id="12" dur="1" fill="hold">
+                                        <p:cTn id="9" dur="1" fill="hold">
                                           <p:stCondLst>
                                             <p:cond delay="0"/>
                                           </p:stCondLst>
@@ -9848,7 +9814,7 @@
                                     </p:set>
                                     <p:animEffect transition="in" filter="randombar(horizontal)">
                                       <p:cBhvr>
-                                        <p:cTn id="13" dur="500"/>
+                                        <p:cTn id="10" dur="500"/>
                                         <p:tgtEl>
                                           <p:spTgt spid="6"/>
                                         </p:tgtEl>
@@ -9890,7 +9856,7 @@
           <p:tmpl>
             <p:tnLst>
               <p:par>
-                <p:cTn presetID="1" presetClass="exit" presetSubtype="0" fill="hold" nodeType="afterEffect">
+                <p:cTn presetID="1" presetClass="exit" presetSubtype="0" fill="hold" nodeType="clickEffect">
                   <p:stCondLst>
                     <p:cond delay="0"/>
                   </p:stCondLst>
@@ -9963,36 +9929,6 @@
           </p:tmpl>
         </p:tmplLst>
       </p:bldP>
-      <p:bldP spid="6" grpId="1">
-        <p:tmplLst>
-          <p:tmpl>
-            <p:tnLst>
-              <p:par>
-                <p:cTn presetID="42" presetClass="path" presetSubtype="0" accel="50000" decel="50000" fill="hold" nodeType="afterEffect">
-                  <p:stCondLst>
-                    <p:cond delay="0"/>
-                  </p:stCondLst>
-                  <p:childTnLst>
-                    <p:animMotion origin="layout" path="M -4.16667E-6 -1.11111E-6 L -0.02187 -0.04537 " pathEditMode="relative" rAng="0" ptsTypes="AA">
-                      <p:cBhvr>
-                        <p:cTn dur="500" fill="hold"/>
-                        <p:tgtEl>
-                          <p:spTgt spid="6"/>
-                        </p:tgtEl>
-                        <p:attrNameLst>
-                          <p:attrName>ppt_x</p:attrName>
-                          <p:attrName>ppt_y</p:attrName>
-                        </p:attrNameLst>
-                      </p:cBhvr>
-                      <p:rCtr x="-1094" y="-2269"/>
-                    </p:animMotion>
-                  </p:childTnLst>
-                </p:cTn>
-              </p:par>
-            </p:tnLst>
-          </p:tmpl>
-        </p:tmplLst>
-      </p:bldP>
     </p:bldLst>
   </p:timing>
 </p:sldLayout>
@@ -10471,7 +10407,7 @@
           <a:p>
             <a:fld id="{2830D52A-5F20-49F5-B0E2-4E520F8A6D94}" type="datetimeFigureOut">
               <a:rPr lang="en-US" smtClean="0"/>
-              <a:t>6/10/2017</a:t>
+              <a:t>6/13/2017</a:t>
             </a:fld>
             <a:endParaRPr lang="en-US"/>
           </a:p>
@@ -10688,7 +10624,7 @@
           <a:p>
             <a:fld id="{2830D52A-5F20-49F5-B0E2-4E520F8A6D94}" type="datetimeFigureOut">
               <a:rPr lang="en-US" smtClean="0"/>
-              <a:t>6/10/2017</a:t>
+              <a:t>6/13/2017</a:t>
             </a:fld>
             <a:endParaRPr lang="en-US"/>
           </a:p>
@@ -10963,7 +10899,7 @@
           <a:p>
             <a:fld id="{2830D52A-5F20-49F5-B0E2-4E520F8A6D94}" type="datetimeFigureOut">
               <a:rPr lang="en-US" smtClean="0"/>
-              <a:t>6/10/2017</a:t>
+              <a:t>6/13/2017</a:t>
             </a:fld>
             <a:endParaRPr lang="en-US"/>
           </a:p>
@@ -11228,7 +11164,7 @@
           <a:p>
             <a:fld id="{2830D52A-5F20-49F5-B0E2-4E520F8A6D94}" type="datetimeFigureOut">
               <a:rPr lang="en-US" smtClean="0"/>
-              <a:t>6/10/2017</a:t>
+              <a:t>6/13/2017</a:t>
             </a:fld>
             <a:endParaRPr lang="en-US"/>
           </a:p>
@@ -11640,7 +11576,7 @@
           <a:p>
             <a:fld id="{2830D52A-5F20-49F5-B0E2-4E520F8A6D94}" type="datetimeFigureOut">
               <a:rPr lang="en-US" smtClean="0"/>
-              <a:t>6/10/2017</a:t>
+              <a:t>6/13/2017</a:t>
             </a:fld>
             <a:endParaRPr lang="en-US"/>
           </a:p>
@@ -11781,7 +11717,7 @@
           <a:p>
             <a:fld id="{2830D52A-5F20-49F5-B0E2-4E520F8A6D94}" type="datetimeFigureOut">
               <a:rPr lang="en-US" smtClean="0"/>
-              <a:t>6/10/2017</a:t>
+              <a:t>6/13/2017</a:t>
             </a:fld>
             <a:endParaRPr lang="en-US"/>
           </a:p>
@@ -12022,7 +11958,7 @@
           <a:p>
             <a:fld id="{2830D52A-5F20-49F5-B0E2-4E520F8A6D94}" type="datetimeFigureOut">
               <a:rPr lang="en-US" smtClean="0"/>
-              <a:t>6/10/2017</a:t>
+              <a:t>6/13/2017</a:t>
             </a:fld>
             <a:endParaRPr lang="en-US"/>
           </a:p>
@@ -13730,7 +13666,7 @@
           <a:p>
             <a:r>
               <a:rPr lang="en-US" dirty="0"/>
-              <a:t>What is the best option to add background processing to your app?</a:t>
+              <a:t>What is the best option to add background processing to your web app?</a:t>
             </a:r>
           </a:p>
         </p:txBody>
@@ -14958,7 +14894,9 @@
         </p:nvSpPr>
         <p:spPr/>
         <p:txBody>
-          <a:bodyPr/>
+          <a:bodyPr>
+            <a:normAutofit/>
+          </a:bodyPr>
           <a:lstStyle/>
           <a:p>
             <a:pPr marL="0" indent="0">
@@ -14966,7 +14904,7 @@
             </a:pPr>
             <a:r>
               <a:rPr lang="en-US" dirty="0"/>
-              <a:t>Scale Up – Change pricing tiers (Free, Shared, Basic, Standard Premium)</a:t>
+              <a:t>Scale Up – Change pricing tiers: Free, Shared, Basic, Standard, Premium</a:t>
             </a:r>
           </a:p>
           <a:p>
@@ -14975,7 +14913,7 @@
             </a:pPr>
             <a:r>
               <a:rPr lang="en-US" dirty="0"/>
-              <a:t>Scale Out – Change instance count (manually, auto)</a:t>
+              <a:t>Scale Out – Change instance count: manually, auto</a:t>
             </a:r>
           </a:p>
           <a:p>
@@ -15120,15 +15058,7 @@
           <a:p>
             <a:r>
               <a:rPr lang="en-US" dirty="0"/>
-              <a:t>You are concerned about the performance of a new </a:t>
-            </a:r>
-            <a:r>
-              <a:rPr lang="en-US" dirty="0" err="1"/>
-              <a:t>WebApp</a:t>
-            </a:r>
-            <a:r>
-              <a:rPr lang="en-US" dirty="0"/>
-              <a:t> and want to make sure it scales when it starts to get heavy use.  Which choice is the best for you to do?</a:t>
+              <a:t>You are concerned about the performance of a new Web App and want to make sure it scales when it starts to get heavy use.  Which choice is the best for you to do?</a:t>
             </a:r>
           </a:p>
         </p:txBody>
@@ -15610,12 +15540,14 @@
         </p:nvSpPr>
         <p:spPr/>
         <p:txBody>
-          <a:bodyPr/>
-          <a:lstStyle/>
-          <a:p>
-            <a:r>
-              <a:rPr lang="en-US" dirty="0"/>
-              <a:t>You have a website that uses a lot of session state.  You need to move the site to Azure.  What two choices should you do?</a:t>
+          <a:bodyPr>
+            <a:normAutofit fontScale="90000"/>
+          </a:bodyPr>
+          <a:lstStyle/>
+          <a:p>
+            <a:r>
+              <a:rPr lang="en-US" dirty="0"/>
+              <a:t>You have a website that uses a lot of session state.  You need to move the site to a web app in Azure.  What two choices should you do?</a:t>
             </a:r>
           </a:p>
         </p:txBody>
@@ -17041,6 +16973,12 @@
               <a:t>Create a new Resource Group</a:t>
             </a:r>
           </a:p>
+          <a:p>
+            <a:r>
+              <a:rPr lang="en-US" dirty="0"/>
+              <a:t>Add configure the endpoints in Traffic Manager</a:t>
+            </a:r>
+          </a:p>
         </p:txBody>
       </p:sp>
       <p:sp>
@@ -17064,12 +17002,21 @@
             </a:r>
           </a:p>
           <a:p>
+            <a:pPr>
+              <a:buAutoNum type="arabicParenR" startAt="3"/>
+            </a:pPr>
+            <a:r>
+              <a:rPr lang="en-US" dirty="0"/>
+              <a:t>Set the Routing method to performance</a:t>
+            </a:r>
+          </a:p>
+          <a:p>
             <a:pPr marL="0" indent="0">
               <a:buNone/>
             </a:pPr>
             <a:r>
               <a:rPr lang="en-US" dirty="0"/>
-              <a:t>3)   Set the Routing method to performance</a:t>
+              <a:t>5)    Add configure the endpoints in Traffic Manager</a:t>
             </a:r>
           </a:p>
         </p:txBody>
@@ -20670,6 +20617,16 @@
               <a:buNone/>
             </a:pPr>
             <a:r>
+              <a:rPr lang="en-US"/>
+              <a:t>Traffic Manager</a:t>
+            </a:r>
+            <a:endParaRPr lang="en-US" dirty="0"/>
+          </a:p>
+          <a:p>
+            <a:pPr marL="0" indent="0">
+              <a:buNone/>
+            </a:pPr>
+            <a:r>
               <a:rPr lang="en-US" dirty="0"/>
               <a:t>Security Options</a:t>
             </a:r>
@@ -22350,9 +22307,12 @@
           <a:bodyPr/>
           <a:lstStyle/>
           <a:p>
-            <a:r>
-              <a:rPr lang="en-US" dirty="0"/>
-              <a:t>Merge your Web App and Mobile Apps server code base</a:t>
+            <a:pPr marL="0" indent="0">
+              <a:buNone/>
+            </a:pPr>
+            <a:r>
+              <a:rPr lang="en-US" dirty="0"/>
+              <a:t>3)  Merge your Web App and Mobile Apps server code base</a:t>
             </a:r>
           </a:p>
         </p:txBody>
@@ -24860,18 +24820,18 @@
 
 <file path=customXml/item1.xml><?xml version="1.0" encoding="utf-8"?>
 <athena xmlns="http://schemas.microsoft.com/edu/athena" version="0.1.3885.0">
-  <media streamable="true" recordStart="0" recordEnd="25966" recordLength="26029" audioOnly="true" start="0" end="25966" audioFormat="{00001610-0000-0010-8000-00AA00389B71}" audioRate="44100" muted="false" volume="0.8" fadeIn="0" fadeOut="0" videoFormat="{34363248-0000-0010-8000-00AA00389B71}" videoRate="15" videoWidth="256" videoHeight="256"/>
+  <timings duration="25966"/>
 </athena>
 </file>
 
 <file path=customXml/item2.xml><?xml version="1.0" encoding="utf-8"?>
 <athena xmlns="http://schemas.microsoft.com/edu/athena" version="0.1.3885.0">
-  <timings duration="25966"/>
+  <media streamable="true" recordStart="0" recordEnd="25966" recordLength="26029" audioOnly="true" start="0" end="25966" audioFormat="{00001610-0000-0010-8000-00AA00389B71}" audioRate="44100" muted="false" volume="0.8" fadeIn="0" fadeOut="0" videoFormat="{34363248-0000-0010-8000-00AA00389B71}" videoRate="15" videoWidth="256" videoHeight="256"/>
 </athena>
 </file>
 
 <file path=customXml/itemProps1.xml><?xml version="1.0" encoding="utf-8"?>
-<ds:datastoreItem xmlns:ds="http://schemas.openxmlformats.org/officeDocument/2006/customXml" ds:itemID="{39D1B4F6-E1FE-4B64-ADB5-8B247CD4930D}">
+<ds:datastoreItem xmlns:ds="http://schemas.openxmlformats.org/officeDocument/2006/customXml" ds:itemID="{68A5C005-39DF-454A-8204-A59AF0EF4703}">
   <ds:schemaRefs>
     <ds:schemaRef ds:uri="http://schemas.microsoft.com/edu/athena"/>
   </ds:schemaRefs>
@@ -24879,7 +24839,7 @@
 </file>
 
 <file path=customXml/itemProps2.xml><?xml version="1.0" encoding="utf-8"?>
-<ds:datastoreItem xmlns:ds="http://schemas.openxmlformats.org/officeDocument/2006/customXml" ds:itemID="{68A5C005-39DF-454A-8204-A59AF0EF4703}">
+<ds:datastoreItem xmlns:ds="http://schemas.openxmlformats.org/officeDocument/2006/customXml" ds:itemID="{39D1B4F6-E1FE-4B64-ADB5-8B247CD4930D}">
   <ds:schemaRefs>
     <ds:schemaRef ds:uri="http://schemas.microsoft.com/edu/athena"/>
   </ds:schemaRefs>
